--- a/Milestone 2.pptx
+++ b/Milestone 2.pptx
@@ -12,6 +12,7 @@
     <p:sldId id="260" r:id="rId6"/>
     <p:sldId id="261" r:id="rId7"/>
     <p:sldId id="262" r:id="rId8"/>
+    <p:sldId id="263" r:id="rId9"/>
   </p:sldIdLst>
   <p:sldSz cx="12192000" cy="6858000"/>
   <p:notesSz cx="6858000" cy="9144000"/>
@@ -110,6 +111,11 @@
       </a:defRPr>
     </a:lvl9pPr>
   </p:defaultTextStyle>
+  <p:extLst>
+    <p:ext uri="{EFAFB233-063F-42B5-8137-9DF3F51BA10A}">
+      <p15:sldGuideLst xmlns:p15="http://schemas.microsoft.com/office/powerpoint/2012/main"/>
+    </p:ext>
+  </p:extLst>
 </p:presentation>
 </file>
 
@@ -837,7 +843,7 @@
           <a:p>
             <a:fld id="{B9F53A90-ED72-4253-97DE-AD14217F9932}" type="datetimeFigureOut">
               <a:rPr lang="en-US" smtClean="0"/>
-              <a:t>10/19/2020</a:t>
+              <a:t>10/20/20</a:t>
             </a:fld>
             <a:endParaRPr lang="en-US"/>
           </a:p>
@@ -1088,7 +1094,7 @@
           <a:p>
             <a:fld id="{B9F53A90-ED72-4253-97DE-AD14217F9932}" type="datetimeFigureOut">
               <a:rPr lang="en-US" smtClean="0"/>
-              <a:t>10/19/2020</a:t>
+              <a:t>10/20/20</a:t>
             </a:fld>
             <a:endParaRPr lang="en-US"/>
           </a:p>
@@ -1402,7 +1408,7 @@
           <a:p>
             <a:fld id="{B9F53A90-ED72-4253-97DE-AD14217F9932}" type="datetimeFigureOut">
               <a:rPr lang="en-US" smtClean="0"/>
-              <a:t>10/19/2020</a:t>
+              <a:t>10/20/20</a:t>
             </a:fld>
             <a:endParaRPr lang="en-US"/>
           </a:p>
@@ -1729,7 +1735,7 @@
           <a:p>
             <a:fld id="{B9F53A90-ED72-4253-97DE-AD14217F9932}" type="datetimeFigureOut">
               <a:rPr lang="en-US" smtClean="0"/>
-              <a:t>10/19/2020</a:t>
+              <a:t>10/20/20</a:t>
             </a:fld>
             <a:endParaRPr lang="en-US"/>
           </a:p>
@@ -2043,7 +2049,7 @@
           <a:p>
             <a:fld id="{B9F53A90-ED72-4253-97DE-AD14217F9932}" type="datetimeFigureOut">
               <a:rPr lang="en-US" smtClean="0"/>
-              <a:t>10/19/2020</a:t>
+              <a:t>10/20/20</a:t>
             </a:fld>
             <a:endParaRPr lang="en-US"/>
           </a:p>
@@ -2430,7 +2436,7 @@
           <a:p>
             <a:fld id="{B9F53A90-ED72-4253-97DE-AD14217F9932}" type="datetimeFigureOut">
               <a:rPr lang="en-US" smtClean="0"/>
-              <a:t>10/19/2020</a:t>
+              <a:t>10/20/20</a:t>
             </a:fld>
             <a:endParaRPr lang="en-US"/>
           </a:p>
@@ -2600,7 +2606,7 @@
           <a:p>
             <a:fld id="{B9F53A90-ED72-4253-97DE-AD14217F9932}" type="datetimeFigureOut">
               <a:rPr lang="en-US" smtClean="0"/>
-              <a:t>10/19/2020</a:t>
+              <a:t>10/20/20</a:t>
             </a:fld>
             <a:endParaRPr lang="en-US"/>
           </a:p>
@@ -2780,7 +2786,7 @@
           <a:p>
             <a:fld id="{B9F53A90-ED72-4253-97DE-AD14217F9932}" type="datetimeFigureOut">
               <a:rPr lang="en-US" smtClean="0"/>
-              <a:t>10/19/2020</a:t>
+              <a:t>10/20/20</a:t>
             </a:fld>
             <a:endParaRPr lang="en-US"/>
           </a:p>
@@ -2956,7 +2962,7 @@
           <a:p>
             <a:fld id="{B9F53A90-ED72-4253-97DE-AD14217F9932}" type="datetimeFigureOut">
               <a:rPr lang="en-US" smtClean="0"/>
-              <a:t>10/19/2020</a:t>
+              <a:t>10/20/20</a:t>
             </a:fld>
             <a:endParaRPr lang="en-US"/>
           </a:p>
@@ -3203,7 +3209,7 @@
           <a:p>
             <a:fld id="{B9F53A90-ED72-4253-97DE-AD14217F9932}" type="datetimeFigureOut">
               <a:rPr lang="en-US" smtClean="0"/>
-              <a:t>10/19/2020</a:t>
+              <a:t>10/20/20</a:t>
             </a:fld>
             <a:endParaRPr lang="en-US"/>
           </a:p>
@@ -3435,7 +3441,7 @@
           <a:p>
             <a:fld id="{B9F53A90-ED72-4253-97DE-AD14217F9932}" type="datetimeFigureOut">
               <a:rPr lang="en-US" smtClean="0"/>
-              <a:t>10/19/2020</a:t>
+              <a:t>10/20/20</a:t>
             </a:fld>
             <a:endParaRPr lang="en-US"/>
           </a:p>
@@ -3809,7 +3815,7 @@
           <a:p>
             <a:fld id="{B9F53A90-ED72-4253-97DE-AD14217F9932}" type="datetimeFigureOut">
               <a:rPr lang="en-US" smtClean="0"/>
-              <a:t>10/19/2020</a:t>
+              <a:t>10/20/20</a:t>
             </a:fld>
             <a:endParaRPr lang="en-US"/>
           </a:p>
@@ -3932,7 +3938,7 @@
           <a:p>
             <a:fld id="{B9F53A90-ED72-4253-97DE-AD14217F9932}" type="datetimeFigureOut">
               <a:rPr lang="en-US" smtClean="0"/>
-              <a:t>10/19/2020</a:t>
+              <a:t>10/20/20</a:t>
             </a:fld>
             <a:endParaRPr lang="en-US"/>
           </a:p>
@@ -4027,7 +4033,7 @@
           <a:p>
             <a:fld id="{B9F53A90-ED72-4253-97DE-AD14217F9932}" type="datetimeFigureOut">
               <a:rPr lang="en-US" smtClean="0"/>
-              <a:t>10/19/2020</a:t>
+              <a:t>10/20/20</a:t>
             </a:fld>
             <a:endParaRPr lang="en-US"/>
           </a:p>
@@ -4282,7 +4288,7 @@
           <a:p>
             <a:fld id="{B9F53A90-ED72-4253-97DE-AD14217F9932}" type="datetimeFigureOut">
               <a:rPr lang="en-US" smtClean="0"/>
-              <a:t>10/19/2020</a:t>
+              <a:t>10/20/20</a:t>
             </a:fld>
             <a:endParaRPr lang="en-US"/>
           </a:p>
@@ -4545,7 +4551,7 @@
           <a:p>
             <a:fld id="{B9F53A90-ED72-4253-97DE-AD14217F9932}" type="datetimeFigureOut">
               <a:rPr lang="en-US" smtClean="0"/>
-              <a:t>10/19/2020</a:t>
+              <a:t>10/20/20</a:t>
             </a:fld>
             <a:endParaRPr lang="en-US"/>
           </a:p>
@@ -5290,7 +5296,7 @@
           <a:p>
             <a:fld id="{B9F53A90-ED72-4253-97DE-AD14217F9932}" type="datetimeFigureOut">
               <a:rPr lang="en-US" smtClean="0"/>
-              <a:t>10/19/2020</a:t>
+              <a:t>10/20/20</a:t>
             </a:fld>
             <a:endParaRPr lang="en-US"/>
           </a:p>
@@ -5956,7 +5962,7 @@
           <a:p>
             <a:r>
               <a:rPr lang="en-US" dirty="0"/>
-              <a:t>Technology stack and tool chain</a:t>
+              <a:t>Technology Stack and Tool Chain</a:t>
             </a:r>
           </a:p>
         </p:txBody>
@@ -6012,7 +6018,23 @@
             </a:r>
             <a:r>
               <a:rPr lang="it-IT" dirty="0"/>
-              <a:t> VS Code to </a:t>
+              <a:t> </a:t>
+            </a:r>
+            <a:r>
+              <a:rPr lang="it-IT" dirty="0" err="1"/>
+              <a:t>VSCode</a:t>
+            </a:r>
+            <a:r>
+              <a:rPr lang="it-IT" dirty="0"/>
+              <a:t>, </a:t>
+            </a:r>
+            <a:r>
+              <a:rPr lang="it-IT" dirty="0" err="1"/>
+              <a:t>Xcode</a:t>
+            </a:r>
+            <a:r>
+              <a:rPr lang="it-IT" dirty="0"/>
+              <a:t>, and Sublime Text to </a:t>
             </a:r>
             <a:r>
               <a:rPr lang="it-IT" dirty="0" err="1"/>
@@ -6036,11 +6058,43 @@
             </a:r>
             <a:r>
               <a:rPr lang="it-IT" dirty="0"/>
-              <a:t> files, and a browser to </a:t>
-            </a:r>
-            <a:r>
-              <a:rPr lang="it-IT" dirty="0" err="1"/>
-              <a:t>see</a:t>
+              <a:t> </a:t>
+            </a:r>
+            <a:r>
+              <a:rPr lang="it-IT" dirty="0" err="1"/>
+              <a:t>files</a:t>
+            </a:r>
+            <a:r>
+              <a:rPr lang="it-IT" dirty="0"/>
+              <a:t>. </a:t>
+            </a:r>
+            <a:r>
+              <a:rPr lang="it-IT" dirty="0" err="1"/>
+              <a:t>As</a:t>
+            </a:r>
+            <a:r>
+              <a:rPr lang="it-IT" dirty="0"/>
+              <a:t> </a:t>
+            </a:r>
+            <a:r>
+              <a:rPr lang="it-IT" dirty="0" err="1"/>
+              <a:t>well</a:t>
+            </a:r>
+            <a:r>
+              <a:rPr lang="it-IT" dirty="0"/>
+              <a:t> </a:t>
+            </a:r>
+            <a:r>
+              <a:rPr lang="it-IT" dirty="0" err="1"/>
+              <a:t>as</a:t>
+            </a:r>
+            <a:r>
+              <a:rPr lang="it-IT" dirty="0"/>
+              <a:t> a browser to look </a:t>
+            </a:r>
+            <a:r>
+              <a:rPr lang="it-IT" dirty="0" err="1"/>
+              <a:t>at</a:t>
             </a:r>
             <a:r>
               <a:rPr lang="it-IT" dirty="0"/>
@@ -6068,21 +6122,61 @@
             </a:r>
             <a:r>
               <a:rPr lang="it-IT" dirty="0"/>
-              <a:t> code</a:t>
-            </a:r>
-          </a:p>
-          <a:p>
-            <a:r>
-              <a:rPr lang="it-IT" dirty="0" err="1"/>
-              <a:t>Github</a:t>
-            </a:r>
-            <a:r>
-              <a:rPr lang="it-IT" dirty="0"/>
-              <a:t> for this last milestone was not very </a:t>
-            </a:r>
-            <a:r>
-              <a:rPr lang="it-IT" dirty="0" err="1"/>
-              <a:t>used</a:t>
+              <a:t> code.</a:t>
+            </a:r>
+          </a:p>
+          <a:p>
+            <a:r>
+              <a:rPr lang="it-IT" dirty="0" err="1"/>
+              <a:t>We</a:t>
+            </a:r>
+            <a:r>
+              <a:rPr lang="it-IT" dirty="0"/>
+              <a:t> </a:t>
+            </a:r>
+            <a:r>
+              <a:rPr lang="it-IT" dirty="0" err="1"/>
+              <a:t>did</a:t>
+            </a:r>
+            <a:r>
+              <a:rPr lang="it-IT" dirty="0"/>
+              <a:t> </a:t>
+            </a:r>
+            <a:r>
+              <a:rPr lang="it-IT" dirty="0" err="1"/>
+              <a:t>not</a:t>
+            </a:r>
+            <a:r>
+              <a:rPr lang="it-IT" dirty="0"/>
+              <a:t> use </a:t>
+            </a:r>
+            <a:r>
+              <a:rPr lang="it-IT" dirty="0" err="1"/>
+              <a:t>GitHub</a:t>
+            </a:r>
+            <a:r>
+              <a:rPr lang="it-IT" dirty="0"/>
+              <a:t> </a:t>
+            </a:r>
+            <a:r>
+              <a:rPr lang="it-IT" dirty="0" err="1"/>
+              <a:t>as</a:t>
+            </a:r>
+            <a:r>
+              <a:rPr lang="it-IT" dirty="0"/>
+              <a:t> </a:t>
+            </a:r>
+            <a:r>
+              <a:rPr lang="it-IT" dirty="0" err="1"/>
+              <a:t>much</a:t>
+            </a:r>
+            <a:r>
+              <a:rPr lang="it-IT" dirty="0"/>
+              <a:t> for the last </a:t>
+            </a:r>
+            <a:r>
+              <a:rPr lang="it-IT" dirty="0" err="1"/>
+              <a:t>milestone</a:t>
             </a:r>
             <a:r>
               <a:rPr lang="it-IT" dirty="0"/>
@@ -6094,19 +6188,43 @@
             </a:r>
             <a:r>
               <a:rPr lang="it-IT" dirty="0"/>
-              <a:t> do not </a:t>
-            </a:r>
-            <a:r>
-              <a:rPr lang="it-IT" dirty="0" err="1"/>
-              <a:t>hae</a:t>
-            </a:r>
-            <a:r>
-              <a:rPr lang="it-IT" dirty="0"/>
-              <a:t> </a:t>
-            </a:r>
-            <a:r>
-              <a:rPr lang="it-IT" dirty="0" err="1"/>
-              <a:t>something</a:t>
+              <a:t> </a:t>
+            </a:r>
+            <a:r>
+              <a:rPr lang="it-IT" dirty="0" err="1"/>
+              <a:t>did</a:t>
+            </a:r>
+            <a:r>
+              <a:rPr lang="it-IT" dirty="0"/>
+              <a:t> </a:t>
+            </a:r>
+            <a:r>
+              <a:rPr lang="it-IT" dirty="0" err="1"/>
+              <a:t>not</a:t>
+            </a:r>
+            <a:r>
+              <a:rPr lang="it-IT" dirty="0"/>
+              <a:t> </a:t>
+            </a:r>
+            <a:r>
+              <a:rPr lang="it-IT" dirty="0" err="1"/>
+              <a:t>yet</a:t>
+            </a:r>
+            <a:r>
+              <a:rPr lang="it-IT" dirty="0"/>
+              <a:t> </a:t>
+            </a:r>
+            <a:r>
+              <a:rPr lang="it-IT" dirty="0" err="1"/>
+              <a:t>have</a:t>
+            </a:r>
+            <a:r>
+              <a:rPr lang="it-IT" dirty="0"/>
+              <a:t> </a:t>
+            </a:r>
+            <a:r>
+              <a:rPr lang="it-IT" dirty="0" err="1"/>
+              <a:t>anything</a:t>
             </a:r>
             <a:r>
               <a:rPr lang="it-IT" dirty="0"/>
@@ -6114,106 +6232,178 @@
             </a:r>
             <a:r>
               <a:rPr lang="it-IT" dirty="0" err="1"/>
+              <a:t>pushed</a:t>
+            </a:r>
+            <a:r>
+              <a:rPr lang="it-IT" dirty="0"/>
+              <a:t>. </a:t>
+            </a:r>
+            <a:r>
+              <a:rPr lang="it-IT" dirty="0" err="1"/>
+              <a:t>We</a:t>
+            </a:r>
+            <a:r>
+              <a:rPr lang="it-IT" dirty="0"/>
+              <a:t> are </a:t>
+            </a:r>
+            <a:r>
+              <a:rPr lang="it-IT" dirty="0" err="1"/>
+              <a:t>still</a:t>
+            </a:r>
+            <a:r>
+              <a:rPr lang="it-IT" dirty="0"/>
+              <a:t> </a:t>
+            </a:r>
+            <a:r>
+              <a:rPr lang="it-IT" dirty="0" err="1"/>
+              <a:t>learning</a:t>
+            </a:r>
+            <a:r>
+              <a:rPr lang="it-IT" dirty="0"/>
+              <a:t> Java </a:t>
+            </a:r>
+            <a:r>
+              <a:rPr lang="it-IT" dirty="0" err="1"/>
+              <a:t>while</a:t>
+            </a:r>
+            <a:r>
+              <a:rPr lang="it-IT" dirty="0"/>
+              <a:t> </a:t>
+            </a:r>
+            <a:r>
+              <a:rPr lang="it-IT" dirty="0" err="1"/>
+              <a:t>also</a:t>
+            </a:r>
+            <a:r>
+              <a:rPr lang="it-IT" dirty="0"/>
+              <a:t> </a:t>
+            </a:r>
+            <a:r>
+              <a:rPr lang="it-IT" dirty="0" err="1"/>
+              <a:t>implementing</a:t>
+            </a:r>
+            <a:r>
+              <a:rPr lang="it-IT" dirty="0"/>
+              <a:t> </a:t>
+            </a:r>
+            <a:r>
+              <a:rPr lang="it-IT" dirty="0" err="1"/>
+              <a:t>it</a:t>
+            </a:r>
+            <a:r>
+              <a:rPr lang="it-IT" dirty="0"/>
+              <a:t> </a:t>
+            </a:r>
+            <a:r>
+              <a:rPr lang="it-IT" dirty="0" err="1"/>
+              <a:t>at</a:t>
+            </a:r>
+            <a:r>
+              <a:rPr lang="it-IT" dirty="0"/>
+              <a:t> the </a:t>
+            </a:r>
+            <a:r>
+              <a:rPr lang="it-IT" dirty="0" err="1"/>
+              <a:t>same</a:t>
+            </a:r>
+            <a:r>
+              <a:rPr lang="it-IT" dirty="0"/>
+              <a:t> time. </a:t>
+            </a:r>
+            <a:r>
+              <a:rPr lang="it-IT" dirty="0" err="1"/>
+              <a:t>When</a:t>
+            </a:r>
+            <a:r>
+              <a:rPr lang="it-IT" dirty="0"/>
+              <a:t> </a:t>
+            </a:r>
+            <a:r>
+              <a:rPr lang="it-IT" dirty="0" err="1"/>
+              <a:t>we</a:t>
+            </a:r>
+            <a:r>
+              <a:rPr lang="it-IT" dirty="0"/>
+              <a:t> </a:t>
+            </a:r>
+            <a:r>
+              <a:rPr lang="it-IT" dirty="0" err="1"/>
+              <a:t>feel</a:t>
+            </a:r>
+            <a:r>
+              <a:rPr lang="it-IT" dirty="0"/>
+              <a:t> </a:t>
+            </a:r>
+            <a:r>
+              <a:rPr lang="it-IT" dirty="0" err="1"/>
+              <a:t>that</a:t>
+            </a:r>
+            <a:r>
+              <a:rPr lang="it-IT" dirty="0"/>
+              <a:t> </a:t>
+            </a:r>
+            <a:r>
+              <a:rPr lang="it-IT" dirty="0" err="1"/>
+              <a:t>we</a:t>
+            </a:r>
+            <a:r>
+              <a:rPr lang="it-IT" dirty="0"/>
+              <a:t> </a:t>
+            </a:r>
+            <a:r>
+              <a:rPr lang="it-IT" dirty="0" err="1"/>
+              <a:t>have</a:t>
+            </a:r>
+            <a:r>
+              <a:rPr lang="it-IT" dirty="0"/>
+              <a:t> a </a:t>
+            </a:r>
+            <a:r>
+              <a:rPr lang="it-IT" dirty="0" err="1"/>
+              <a:t>decent</a:t>
+            </a:r>
+            <a:r>
+              <a:rPr lang="it-IT" dirty="0"/>
+              <a:t> </a:t>
+            </a:r>
+            <a:r>
+              <a:rPr lang="it-IT" dirty="0" err="1"/>
+              <a:t>program</a:t>
+            </a:r>
+            <a:r>
+              <a:rPr lang="it-IT" dirty="0"/>
+              <a:t> to be </a:t>
+            </a:r>
+            <a:r>
+              <a:rPr lang="it-IT" dirty="0" err="1"/>
+              <a:t>implemented</a:t>
+            </a:r>
+            <a:r>
+              <a:rPr lang="it-IT" dirty="0"/>
+              <a:t> </a:t>
+            </a:r>
+            <a:r>
+              <a:rPr lang="it-IT" dirty="0" err="1"/>
+              <a:t>we</a:t>
+            </a:r>
+            <a:r>
+              <a:rPr lang="it-IT" dirty="0"/>
+              <a:t> </a:t>
+            </a:r>
+            <a:r>
+              <a:rPr lang="it-IT" dirty="0" err="1"/>
+              <a:t>will</a:t>
+            </a:r>
+            <a:r>
+              <a:rPr lang="it-IT" dirty="0"/>
+              <a:t> </a:t>
+            </a:r>
+            <a:r>
+              <a:rPr lang="it-IT" dirty="0" err="1"/>
               <a:t>push</a:t>
             </a:r>
             <a:r>
               <a:rPr lang="it-IT" dirty="0"/>
-              <a:t>. People are learning and coding </a:t>
-            </a:r>
-            <a:r>
-              <a:rPr lang="it-IT" dirty="0" err="1"/>
-              <a:t>at</a:t>
-            </a:r>
-            <a:r>
-              <a:rPr lang="it-IT" dirty="0"/>
-              <a:t> the </a:t>
-            </a:r>
-            <a:r>
-              <a:rPr lang="it-IT" dirty="0" err="1"/>
-              <a:t>same</a:t>
-            </a:r>
-            <a:r>
-              <a:rPr lang="it-IT" dirty="0"/>
-              <a:t> time. </a:t>
-            </a:r>
-            <a:r>
-              <a:rPr lang="it-IT" dirty="0" err="1"/>
-              <a:t>When</a:t>
-            </a:r>
-            <a:r>
-              <a:rPr lang="it-IT" dirty="0"/>
-              <a:t> </a:t>
-            </a:r>
-            <a:r>
-              <a:rPr lang="it-IT" dirty="0" err="1"/>
-              <a:t>we</a:t>
-            </a:r>
-            <a:r>
-              <a:rPr lang="it-IT" dirty="0"/>
-              <a:t> </a:t>
-            </a:r>
-            <a:r>
-              <a:rPr lang="it-IT" dirty="0" err="1"/>
-              <a:t>feel</a:t>
-            </a:r>
-            <a:r>
-              <a:rPr lang="it-IT" dirty="0"/>
-              <a:t> like </a:t>
-            </a:r>
-            <a:r>
-              <a:rPr lang="it-IT" dirty="0" err="1"/>
-              <a:t>we</a:t>
-            </a:r>
-            <a:r>
-              <a:rPr lang="it-IT" dirty="0"/>
-              <a:t> </a:t>
-            </a:r>
-            <a:r>
-              <a:rPr lang="it-IT" dirty="0" err="1"/>
-              <a:t>have</a:t>
-            </a:r>
-            <a:r>
-              <a:rPr lang="it-IT" dirty="0"/>
-              <a:t> a </a:t>
-            </a:r>
-            <a:r>
-              <a:rPr lang="it-IT" dirty="0" err="1"/>
-              <a:t>decent</a:t>
-            </a:r>
-            <a:r>
-              <a:rPr lang="it-IT" dirty="0"/>
-              <a:t> code to be </a:t>
-            </a:r>
-            <a:r>
-              <a:rPr lang="it-IT" dirty="0" err="1"/>
-              <a:t>implemented</a:t>
-            </a:r>
-            <a:r>
-              <a:rPr lang="it-IT" dirty="0"/>
-              <a:t> </a:t>
-            </a:r>
-            <a:r>
-              <a:rPr lang="it-IT" dirty="0" err="1"/>
-              <a:t>we</a:t>
-            </a:r>
-            <a:r>
-              <a:rPr lang="it-IT" dirty="0"/>
-              <a:t> </a:t>
-            </a:r>
-            <a:r>
-              <a:rPr lang="it-IT" dirty="0" err="1"/>
-              <a:t>will</a:t>
-            </a:r>
-            <a:r>
-              <a:rPr lang="it-IT" dirty="0"/>
-              <a:t> </a:t>
-            </a:r>
-            <a:r>
-              <a:rPr lang="it-IT" dirty="0" err="1"/>
-              <a:t>push</a:t>
-            </a:r>
-            <a:r>
-              <a:rPr lang="it-IT" dirty="0"/>
               <a:t> it to </a:t>
             </a:r>
             <a:r>
@@ -6227,6 +6417,10 @@
             <a:r>
               <a:rPr lang="it-IT" dirty="0" err="1"/>
               <a:t>branch</a:t>
+            </a:r>
+            <a:r>
+              <a:rPr lang="it-IT" dirty="0"/>
+              <a:t>.</a:t>
             </a:r>
             <a:endParaRPr lang="en-US" dirty="0"/>
           </a:p>
@@ -6285,7 +6479,7 @@
           <a:p>
             <a:r>
               <a:rPr lang="en-US" dirty="0"/>
-              <a:t>Individual responsibilities of all members</a:t>
+              <a:t>Individual Responsibilities of All Members</a:t>
             </a:r>
           </a:p>
         </p:txBody>
@@ -6308,12 +6502,14 @@
         </p:nvSpPr>
         <p:spPr/>
         <p:txBody>
-          <a:bodyPr/>
+          <a:bodyPr>
+            <a:normAutofit fontScale="85000" lnSpcReduction="10000"/>
+          </a:bodyPr>
           <a:lstStyle/>
           <a:p>
             <a:r>
               <a:rPr lang="it-IT" dirty="0"/>
-              <a:t>Gabriele Chiossi: </a:t>
+              <a:t>Gabriele </a:t>
             </a:r>
             <a:r>
               <a:rPr lang="it-IT" dirty="0" err="1"/>
@@ -6337,7 +6533,7 @@
             </a:r>
             <a:r>
               <a:rPr lang="it-IT" dirty="0"/>
-              <a:t> on te stream for the </a:t>
+              <a:t> on the stream for the </a:t>
             </a:r>
             <a:r>
               <a:rPr lang="it-IT" dirty="0" err="1"/>
@@ -6393,23 +6589,15 @@
             </a:r>
             <a:r>
               <a:rPr lang="it-IT" dirty="0"/>
-              <a:t> that I </a:t>
-            </a:r>
-            <a:r>
-              <a:rPr lang="it-IT" dirty="0" err="1"/>
-              <a:t>am</a:t>
-            </a:r>
-            <a:r>
-              <a:rPr lang="it-IT" dirty="0"/>
-              <a:t> </a:t>
-            </a:r>
-            <a:r>
-              <a:rPr lang="it-IT" dirty="0" err="1"/>
-              <a:t>trying</a:t>
-            </a:r>
-            <a:r>
-              <a:rPr lang="it-IT" dirty="0"/>
-              <a:t> to solve </a:t>
+              <a:t> </a:t>
+            </a:r>
+            <a:r>
+              <a:rPr lang="it-IT" dirty="0" err="1"/>
+              <a:t>that</a:t>
+            </a:r>
+            <a:r>
+              <a:rPr lang="it-IT" dirty="0"/>
+              <a:t> he </a:t>
             </a:r>
             <a:r>
               <a:rPr lang="it-IT" dirty="0" err="1"/>
@@ -6417,7 +6605,39 @@
             </a:r>
             <a:r>
               <a:rPr lang="it-IT" dirty="0"/>
-              <a:t> that the stream of the </a:t>
+              <a:t> </a:t>
+            </a:r>
+            <a:r>
+              <a:rPr lang="it-IT" dirty="0" err="1"/>
+              <a:t>working</a:t>
+            </a:r>
+            <a:r>
+              <a:rPr lang="it-IT" dirty="0"/>
+              <a:t> on </a:t>
+            </a:r>
+            <a:r>
+              <a:rPr lang="it-IT" dirty="0" err="1"/>
+              <a:t>solving</a:t>
+            </a:r>
+            <a:r>
+              <a:rPr lang="it-IT" dirty="0"/>
+              <a:t> </a:t>
+            </a:r>
+            <a:r>
+              <a:rPr lang="it-IT" dirty="0" err="1"/>
+              <a:t>is</a:t>
+            </a:r>
+            <a:r>
+              <a:rPr lang="it-IT" dirty="0"/>
+              <a:t> </a:t>
+            </a:r>
+            <a:r>
+              <a:rPr lang="it-IT" dirty="0" err="1"/>
+              <a:t>getting</a:t>
+            </a:r>
+            <a:r>
+              <a:rPr lang="it-IT" dirty="0"/>
+              <a:t> the stream of the </a:t>
             </a:r>
             <a:r>
               <a:rPr lang="it-IT" dirty="0" err="1"/>
@@ -6425,6 +6645,22 @@
             </a:r>
             <a:r>
               <a:rPr lang="it-IT" dirty="0"/>
+              <a:t> to turn off </a:t>
+            </a:r>
+            <a:r>
+              <a:rPr lang="it-IT" dirty="0" err="1"/>
+              <a:t>when</a:t>
+            </a:r>
+            <a:r>
+              <a:rPr lang="it-IT" dirty="0"/>
+              <a:t> </a:t>
+            </a:r>
+            <a:r>
+              <a:rPr lang="it-IT" dirty="0" err="1"/>
+              <a:t>it</a:t>
+            </a:r>
+            <a:r>
+              <a:rPr lang="it-IT" dirty="0"/>
               <a:t> </a:t>
             </a:r>
             <a:r>
@@ -6437,27 +6673,19 @@
             </a:r>
             <a:r>
               <a:rPr lang="it-IT" dirty="0" err="1"/>
-              <a:t>always</a:t>
-            </a:r>
-            <a:r>
-              <a:rPr lang="it-IT" dirty="0"/>
-              <a:t> on, </a:t>
-            </a:r>
-            <a:r>
-              <a:rPr lang="it-IT" dirty="0" err="1"/>
-              <a:t>what</a:t>
-            </a:r>
-            <a:r>
-              <a:rPr lang="it-IT" dirty="0"/>
-              <a:t> I </a:t>
-            </a:r>
-            <a:r>
-              <a:rPr lang="it-IT" dirty="0" err="1"/>
-              <a:t>want</a:t>
-            </a:r>
-            <a:r>
-              <a:rPr lang="it-IT" dirty="0"/>
-              <a:t> it to do </a:t>
+              <a:t>not</a:t>
+            </a:r>
+            <a:r>
+              <a:rPr lang="it-IT" dirty="0"/>
+              <a:t> </a:t>
+            </a:r>
+            <a:r>
+              <a:rPr lang="it-IT" dirty="0" err="1"/>
+              <a:t>recording</a:t>
+            </a:r>
+            <a:r>
+              <a:rPr lang="it-IT" dirty="0"/>
+              <a:t>. He </a:t>
             </a:r>
             <a:r>
               <a:rPr lang="it-IT" dirty="0" err="1"/>
@@ -6465,11 +6693,19 @@
             </a:r>
             <a:r>
               <a:rPr lang="it-IT" dirty="0"/>
-              <a:t> to be on and </a:t>
-            </a:r>
-            <a:r>
-              <a:rPr lang="it-IT" dirty="0" err="1"/>
-              <a:t>draw</a:t>
+              <a:t> </a:t>
+            </a:r>
+            <a:r>
+              <a:rPr lang="it-IT" dirty="0" err="1"/>
+              <a:t>focused</a:t>
+            </a:r>
+            <a:r>
+              <a:rPr lang="it-IT" dirty="0"/>
+              <a:t> on </a:t>
+            </a:r>
+            <a:r>
+              <a:rPr lang="it-IT" dirty="0" err="1"/>
+              <a:t>getting</a:t>
             </a:r>
             <a:r>
               <a:rPr lang="it-IT" dirty="0"/>
@@ -6489,6 +6725,102 @@
             </a:r>
             <a:r>
               <a:rPr lang="it-IT" dirty="0"/>
+              <a:t> to </a:t>
+            </a:r>
+            <a:r>
+              <a:rPr lang="it-IT" dirty="0" err="1"/>
+              <a:t>move</a:t>
+            </a:r>
+            <a:r>
+              <a:rPr lang="it-IT" dirty="0"/>
+              <a:t> </a:t>
+            </a:r>
+            <a:r>
+              <a:rPr lang="it-IT" dirty="0" err="1"/>
+              <a:t>while</a:t>
+            </a:r>
+            <a:r>
+              <a:rPr lang="it-IT" dirty="0"/>
+              <a:t> an </a:t>
+            </a:r>
+            <a:r>
+              <a:rPr lang="it-IT" dirty="0" err="1"/>
+              <a:t>actual</a:t>
+            </a:r>
+            <a:r>
+              <a:rPr lang="it-IT" dirty="0"/>
+              <a:t> </a:t>
+            </a:r>
+            <a:r>
+              <a:rPr lang="it-IT" dirty="0" err="1"/>
+              <a:t>recording</a:t>
+            </a:r>
+            <a:r>
+              <a:rPr lang="it-IT" dirty="0"/>
+              <a:t> </a:t>
+            </a:r>
+            <a:r>
+              <a:rPr lang="it-IT" dirty="0" err="1"/>
+              <a:t>is</a:t>
+            </a:r>
+            <a:r>
+              <a:rPr lang="it-IT" dirty="0"/>
+              <a:t> </a:t>
+            </a:r>
+            <a:r>
+              <a:rPr lang="it-IT" dirty="0" err="1"/>
+              <a:t>taking</a:t>
+            </a:r>
+            <a:r>
+              <a:rPr lang="it-IT" dirty="0"/>
+              <a:t> </a:t>
+            </a:r>
+            <a:r>
+              <a:rPr lang="it-IT" dirty="0" err="1"/>
+              <a:t>place</a:t>
+            </a:r>
+            <a:r>
+              <a:rPr lang="it-IT" dirty="0"/>
+              <a:t>. </a:t>
+            </a:r>
+            <a:r>
+              <a:rPr lang="it-IT" dirty="0" err="1"/>
+              <a:t>This</a:t>
+            </a:r>
+            <a:r>
+              <a:rPr lang="it-IT" dirty="0"/>
+              <a:t> </a:t>
+            </a:r>
+            <a:r>
+              <a:rPr lang="it-IT" dirty="0" err="1"/>
+              <a:t>is</a:t>
+            </a:r>
+            <a:r>
+              <a:rPr lang="it-IT" dirty="0"/>
+              <a:t> </a:t>
+            </a:r>
+            <a:r>
+              <a:rPr lang="it-IT" dirty="0" err="1"/>
+              <a:t>our</a:t>
+            </a:r>
+            <a:r>
+              <a:rPr lang="it-IT" dirty="0"/>
+              <a:t> </a:t>
+            </a:r>
+            <a:r>
+              <a:rPr lang="it-IT" dirty="0" err="1"/>
+              <a:t>wave</a:t>
+            </a:r>
+            <a:r>
+              <a:rPr lang="it-IT" dirty="0"/>
+              <a:t> </a:t>
+            </a:r>
+            <a:r>
+              <a:rPr lang="it-IT" dirty="0" err="1"/>
+              <a:t>form</a:t>
+            </a:r>
+            <a:r>
+              <a:rPr lang="it-IT" dirty="0"/>
               <a:t> </a:t>
             </a:r>
             <a:r>
@@ -6497,62 +6829,6 @@
             </a:r>
             <a:r>
               <a:rPr lang="it-IT" dirty="0"/>
-              <a:t> the record </a:t>
-            </a:r>
-            <a:r>
-              <a:rPr lang="it-IT" dirty="0" err="1"/>
-              <a:t>button</a:t>
-            </a:r>
-            <a:r>
-              <a:rPr lang="it-IT" dirty="0"/>
-              <a:t> </a:t>
-            </a:r>
-            <a:r>
-              <a:rPr lang="it-IT" dirty="0" err="1"/>
-              <a:t>is</a:t>
-            </a:r>
-            <a:r>
-              <a:rPr lang="it-IT" dirty="0"/>
-              <a:t> on. Here </a:t>
-            </a:r>
-            <a:r>
-              <a:rPr lang="it-IT" dirty="0" err="1"/>
-              <a:t>below</a:t>
-            </a:r>
-            <a:r>
-              <a:rPr lang="it-IT" dirty="0"/>
-              <a:t> </a:t>
-            </a:r>
-            <a:r>
-              <a:rPr lang="it-IT" dirty="0" err="1"/>
-              <a:t>our</a:t>
-            </a:r>
-            <a:r>
-              <a:rPr lang="it-IT" dirty="0"/>
-              <a:t> </a:t>
-            </a:r>
-            <a:r>
-              <a:rPr lang="it-IT" dirty="0" err="1"/>
-              <a:t>wave</a:t>
-            </a:r>
-            <a:r>
-              <a:rPr lang="it-IT" dirty="0"/>
-              <a:t> </a:t>
-            </a:r>
-            <a:r>
-              <a:rPr lang="it-IT" dirty="0" err="1"/>
-              <a:t>form</a:t>
-            </a:r>
-            <a:r>
-              <a:rPr lang="it-IT" dirty="0"/>
-              <a:t> </a:t>
-            </a:r>
-            <a:r>
-              <a:rPr lang="it-IT" dirty="0" err="1"/>
-              <a:t>when</a:t>
-            </a:r>
-            <a:r>
-              <a:rPr lang="it-IT" dirty="0"/>
               <a:t> recording. </a:t>
             </a:r>
           </a:p>
@@ -6572,25 +6848,12 @@
             <a:endParaRPr lang="it-IT" dirty="0"/>
           </a:p>
           <a:p>
+            <a:endParaRPr lang="en-US" dirty="0"/>
+          </a:p>
+          <a:p>
             <a:r>
               <a:rPr lang="en-US" dirty="0"/>
-              <a:t>Ben </a:t>
-            </a:r>
-            <a:r>
-              <a:rPr lang="en-US" dirty="0" err="1"/>
-              <a:t>Marschall</a:t>
-            </a:r>
-            <a:r>
-              <a:rPr lang="en-US" dirty="0"/>
-              <a:t> and </a:t>
-            </a:r>
-            <a:r>
-              <a:rPr lang="en-US" dirty="0" err="1"/>
-              <a:t>Si'raaj</a:t>
-            </a:r>
-            <a:r>
-              <a:rPr lang="en-US" dirty="0"/>
-              <a:t> Woods: have been working on the music player</a:t>
+              <a:t>Ben, and Si'raaj have been working on getting the music player to work. It is still currently a work in progress, however, once they are able to get it to work than a majority of the project will be complete.</a:t>
             </a:r>
           </a:p>
         </p:txBody>
@@ -6609,7 +6872,7 @@
           </p:cNvPicPr>
           <p:nvPr/>
         </p:nvPicPr>
-        <p:blipFill>
+        <p:blipFill rotWithShape="1">
           <a:blip r:embed="rId2">
             <a:extLst>
               <a:ext uri="{28A0092B-C50C-407E-A947-70E740481C1C}">
@@ -6617,14 +6880,13 @@
               </a:ext>
             </a:extLst>
           </a:blip>
-          <a:stretch>
-            <a:fillRect/>
-          </a:stretch>
+          <a:srcRect t="4843" b="-1"/>
+          <a:stretch/>
         </p:blipFill>
         <p:spPr>
           <a:xfrm>
-            <a:off x="992448" y="3632200"/>
-            <a:ext cx="5986733" cy="1860685"/>
+            <a:off x="970145" y="3278459"/>
+            <a:ext cx="5986733" cy="1752858"/>
           </a:xfrm>
           <a:prstGeom prst="rect">
             <a:avLst/>
@@ -6684,7 +6946,7 @@
           <a:p>
             <a:r>
               <a:rPr lang="en-US" dirty="0"/>
-              <a:t>Technology/device access of all members</a:t>
+              <a:t>Technology/Device Access of all Members</a:t>
             </a:r>
           </a:p>
         </p:txBody>
@@ -6716,7 +6978,15 @@
             </a:r>
             <a:r>
               <a:rPr lang="it-IT" dirty="0"/>
-              <a:t> use a </a:t>
+              <a:t> </a:t>
+            </a:r>
+            <a:r>
+              <a:rPr lang="it-IT" dirty="0" err="1"/>
+              <a:t>have</a:t>
+            </a:r>
+            <a:r>
+              <a:rPr lang="it-IT" dirty="0"/>
+              <a:t> a </a:t>
             </a:r>
             <a:r>
               <a:rPr lang="it-IT" dirty="0" err="1"/>
@@ -6736,7 +7006,103 @@
             </a:r>
             <a:r>
               <a:rPr lang="it-IT" dirty="0" err="1"/>
-              <a:t>technologies</a:t>
+              <a:t>technological</a:t>
+            </a:r>
+            <a:r>
+              <a:rPr lang="it-IT" dirty="0"/>
+              <a:t> </a:t>
+            </a:r>
+            <a:r>
+              <a:rPr lang="it-IT" dirty="0" err="1"/>
+              <a:t>devices</a:t>
+            </a:r>
+            <a:r>
+              <a:rPr lang="it-IT" dirty="0"/>
+              <a:t> </a:t>
+            </a:r>
+            <a:r>
+              <a:rPr lang="it-IT" dirty="0" err="1"/>
+              <a:t>that</a:t>
+            </a:r>
+            <a:r>
+              <a:rPr lang="it-IT" dirty="0"/>
+              <a:t> </a:t>
+            </a:r>
+            <a:r>
+              <a:rPr lang="it-IT" dirty="0" err="1"/>
+              <a:t>we</a:t>
+            </a:r>
+            <a:r>
+              <a:rPr lang="it-IT" dirty="0"/>
+              <a:t> </a:t>
+            </a:r>
+            <a:r>
+              <a:rPr lang="it-IT" dirty="0" err="1"/>
+              <a:t>have</a:t>
+            </a:r>
+            <a:r>
+              <a:rPr lang="it-IT" dirty="0"/>
+              <a:t> </a:t>
+            </a:r>
+            <a:r>
+              <a:rPr lang="it-IT" dirty="0" err="1"/>
+              <a:t>access</a:t>
+            </a:r>
+            <a:r>
+              <a:rPr lang="it-IT" dirty="0"/>
+              <a:t> to. </a:t>
+            </a:r>
+            <a:r>
+              <a:rPr lang="it-IT" dirty="0" err="1"/>
+              <a:t>We</a:t>
+            </a:r>
+            <a:r>
+              <a:rPr lang="it-IT" dirty="0"/>
+              <a:t> </a:t>
+            </a:r>
+            <a:r>
+              <a:rPr lang="it-IT" dirty="0" err="1"/>
+              <a:t>have</a:t>
+            </a:r>
+            <a:r>
+              <a:rPr lang="it-IT" dirty="0"/>
+              <a:t> </a:t>
+            </a:r>
+            <a:r>
+              <a:rPr lang="it-IT" dirty="0" err="1"/>
+              <a:t>been</a:t>
+            </a:r>
+            <a:r>
+              <a:rPr lang="it-IT" dirty="0"/>
+              <a:t> </a:t>
+            </a:r>
+            <a:r>
+              <a:rPr lang="it-IT" dirty="0" err="1"/>
+              <a:t>using</a:t>
+            </a:r>
+            <a:r>
+              <a:rPr lang="it-IT" dirty="0"/>
+              <a:t> </a:t>
+            </a:r>
+            <a:r>
+              <a:rPr lang="it-IT" dirty="0" err="1"/>
+              <a:t>all</a:t>
+            </a:r>
+            <a:r>
+              <a:rPr lang="it-IT" dirty="0"/>
+              <a:t> of the </a:t>
+            </a:r>
+            <a:r>
+              <a:rPr lang="it-IT" dirty="0" err="1"/>
+              <a:t>devices</a:t>
+            </a:r>
+            <a:r>
+              <a:rPr lang="it-IT" dirty="0"/>
+              <a:t> </a:t>
+            </a:r>
+            <a:r>
+              <a:rPr lang="it-IT" dirty="0" err="1"/>
+              <a:t>below</a:t>
             </a:r>
             <a:r>
               <a:rPr lang="it-IT" dirty="0"/>
@@ -6744,25 +7110,28 @@
             </a:r>
             <a:r>
               <a:rPr lang="it-IT" dirty="0" err="1"/>
-              <a:t>see</a:t>
-            </a:r>
-            <a:r>
-              <a:rPr lang="it-IT" dirty="0"/>
-              <a:t> </a:t>
-            </a:r>
-            <a:r>
-              <a:rPr lang="it-IT" dirty="0" err="1"/>
-              <a:t>if</a:t>
-            </a:r>
-            <a:r>
-              <a:rPr lang="it-IT" dirty="0"/>
-              <a:t> te system works on multiple </a:t>
+              <a:t>get</a:t>
+            </a:r>
+            <a:r>
+              <a:rPr lang="it-IT" dirty="0"/>
+              <a:t> the </a:t>
+            </a:r>
+            <a:r>
+              <a:rPr lang="it-IT" dirty="0" err="1"/>
+              <a:t>system</a:t>
+            </a:r>
+            <a:r>
+              <a:rPr lang="it-IT" dirty="0"/>
+              <a:t> to work on multiple </a:t>
             </a:r>
             <a:r>
               <a:rPr lang="it-IT" dirty="0" err="1"/>
               <a:t>platforms</a:t>
             </a:r>
-            <a:endParaRPr lang="it-IT" dirty="0"/>
+            <a:r>
+              <a:rPr lang="it-IT" dirty="0"/>
+              <a:t>.</a:t>
+            </a:r>
           </a:p>
           <a:p>
             <a:pPr>
@@ -6771,7 +7140,7 @@
             </a:pPr>
             <a:r>
               <a:rPr lang="it-IT" dirty="0"/>
-              <a:t>MAC OS</a:t>
+              <a:t>MACOS</a:t>
             </a:r>
           </a:p>
           <a:p>
@@ -6819,7 +7188,7 @@
             </a:pPr>
             <a:r>
               <a:rPr lang="it-IT" dirty="0" err="1"/>
-              <a:t>Imessage</a:t>
+              <a:t>iMessage</a:t>
             </a:r>
             <a:r>
               <a:rPr lang="it-IT" dirty="0"/>
@@ -6904,7 +7273,7 @@
           <a:p>
             <a:r>
               <a:rPr lang="en-US" dirty="0"/>
-              <a:t>Definition of the next two milestone</a:t>
+              <a:t>Definition of the Next Two Milestones</a:t>
             </a:r>
           </a:p>
         </p:txBody>
@@ -6936,35 +7305,43 @@
             </a:r>
             <a:r>
               <a:rPr lang="it-IT" dirty="0" err="1"/>
+              <a:t>Have</a:t>
+            </a:r>
+            <a:r>
+              <a:rPr lang="it-IT" dirty="0"/>
+              <a:t> more </a:t>
+            </a:r>
+            <a:r>
+              <a:rPr lang="it-IT" dirty="0" err="1"/>
+              <a:t>knowdlege</a:t>
+            </a:r>
+            <a:r>
+              <a:rPr lang="it-IT" dirty="0"/>
+              <a:t> on JavaScript, and </a:t>
+            </a:r>
+            <a:r>
+              <a:rPr lang="it-IT" dirty="0" err="1"/>
               <a:t>have</a:t>
             </a:r>
             <a:r>
               <a:rPr lang="it-IT" dirty="0"/>
-              <a:t> a </a:t>
-            </a:r>
-            <a:r>
-              <a:rPr lang="it-IT" dirty="0" err="1"/>
-              <a:t>better</a:t>
-            </a:r>
-            <a:r>
-              <a:rPr lang="it-IT" dirty="0"/>
-              <a:t> </a:t>
-            </a:r>
-            <a:r>
-              <a:rPr lang="it-IT" dirty="0" err="1"/>
-              <a:t>knowdlege</a:t>
-            </a:r>
-            <a:r>
-              <a:rPr lang="it-IT" dirty="0"/>
-              <a:t> on JavaScript and good </a:t>
-            </a:r>
-            <a:r>
-              <a:rPr lang="it-IT" dirty="0" err="1"/>
-              <a:t>piee</a:t>
-            </a:r>
-            <a:r>
-              <a:rPr lang="it-IT" dirty="0"/>
-              <a:t> of code on music player to </a:t>
+              <a:t> more of the </a:t>
+            </a:r>
+            <a:r>
+              <a:rPr lang="it-IT" dirty="0" err="1"/>
+              <a:t>program</a:t>
+            </a:r>
+            <a:r>
+              <a:rPr lang="it-IT" dirty="0"/>
+              <a:t> </a:t>
+            </a:r>
+            <a:r>
+              <a:rPr lang="it-IT" dirty="0" err="1"/>
+              <a:t>completed</a:t>
+            </a:r>
+            <a:r>
+              <a:rPr lang="it-IT" dirty="0"/>
+              <a:t> on the music player to </a:t>
             </a:r>
             <a:r>
               <a:rPr lang="it-IT" dirty="0" err="1"/>
@@ -6980,13 +7357,37 @@
             </a:r>
             <a:r>
               <a:rPr lang="it-IT" dirty="0"/>
-              <a:t> project</a:t>
-            </a:r>
-          </a:p>
-          <a:p>
-            <a:r>
-              <a:rPr lang="it-IT" dirty="0"/>
-              <a:t>Milestone 4: put the code </a:t>
+              <a:t> </a:t>
+            </a:r>
+            <a:r>
+              <a:rPr lang="it-IT" dirty="0" err="1"/>
+              <a:t>project</a:t>
+            </a:r>
+            <a:r>
+              <a:rPr lang="it-IT" dirty="0"/>
+              <a:t>.</a:t>
+            </a:r>
+          </a:p>
+          <a:p>
+            <a:r>
+              <a:rPr lang="it-IT" dirty="0"/>
+              <a:t>Milestone 4: </a:t>
+            </a:r>
+            <a:r>
+              <a:rPr lang="it-IT" dirty="0" err="1"/>
+              <a:t>Finish</a:t>
+            </a:r>
+            <a:r>
+              <a:rPr lang="it-IT" dirty="0"/>
+              <a:t> the </a:t>
+            </a:r>
+            <a:r>
+              <a:rPr lang="it-IT" dirty="0" err="1"/>
+              <a:t>actual</a:t>
+            </a:r>
+            <a:r>
+              <a:rPr lang="it-IT" dirty="0"/>
+              <a:t> code </a:t>
             </a:r>
             <a:r>
               <a:rPr lang="it-IT" dirty="0" err="1"/>
@@ -6994,7 +7395,31 @@
             </a:r>
             <a:r>
               <a:rPr lang="it-IT" dirty="0"/>
-              <a:t> and debug the </a:t>
+              <a:t> </a:t>
+            </a:r>
+            <a:r>
+              <a:rPr lang="it-IT" dirty="0" err="1"/>
+              <a:t>then</a:t>
+            </a:r>
+            <a:r>
+              <a:rPr lang="it-IT" dirty="0"/>
+              <a:t> focus on </a:t>
+            </a:r>
+            <a:r>
+              <a:rPr lang="it-IT" dirty="0" err="1"/>
+              <a:t>debugging</a:t>
+            </a:r>
+            <a:r>
+              <a:rPr lang="it-IT" dirty="0"/>
+              <a:t>  </a:t>
+            </a:r>
+            <a:r>
+              <a:rPr lang="it-IT" dirty="0" err="1"/>
+              <a:t>all</a:t>
+            </a:r>
+            <a:r>
+              <a:rPr lang="it-IT" dirty="0"/>
+              <a:t> of the </a:t>
             </a:r>
             <a:r>
               <a:rPr lang="it-IT" dirty="0" err="1"/>
@@ -7007,6 +7432,10 @@
             <a:r>
               <a:rPr lang="it-IT" dirty="0" err="1"/>
               <a:t>issues</a:t>
+            </a:r>
+            <a:r>
+              <a:rPr lang="it-IT" dirty="0"/>
+              <a:t>.</a:t>
             </a:r>
             <a:endParaRPr lang="en-US" dirty="0"/>
           </a:p>
@@ -7189,7 +7618,7 @@
           <a:p>
             <a:r>
               <a:rPr lang="en-US" dirty="0"/>
-              <a:t>Team communication plan and workflow, including the two time slots for potential team meetings</a:t>
+              <a:t>Team Communication Plan and Workflow, Including The Two Time Slots For Potential Team Meetings</a:t>
             </a:r>
           </a:p>
         </p:txBody>
@@ -7237,7 +7666,7 @@
             </a:r>
             <a:r>
               <a:rPr lang="it-IT" dirty="0"/>
-              <a:t> a text </a:t>
+              <a:t> via text </a:t>
             </a:r>
             <a:r>
               <a:rPr lang="it-IT" dirty="0" err="1"/>
@@ -7249,11 +7678,149 @@
             </a:r>
             <a:r>
               <a:rPr lang="it-IT" dirty="0" err="1"/>
-              <a:t>comunication</a:t>
-            </a:r>
-            <a:r>
-              <a:rPr lang="it-IT" dirty="0"/>
-              <a:t>, but </a:t>
+              <a:t>communication</a:t>
+            </a:r>
+            <a:r>
+              <a:rPr lang="it-IT" dirty="0"/>
+              <a:t>. </a:t>
+            </a:r>
+            <a:r>
+              <a:rPr lang="it-IT" dirty="0" err="1"/>
+              <a:t>However</a:t>
+            </a:r>
+            <a:r>
+              <a:rPr lang="it-IT" dirty="0"/>
+              <a:t>, </a:t>
+            </a:r>
+            <a:r>
+              <a:rPr lang="it-IT" dirty="0" err="1"/>
+              <a:t>we</a:t>
+            </a:r>
+            <a:r>
+              <a:rPr lang="it-IT" dirty="0"/>
+              <a:t> </a:t>
+            </a:r>
+            <a:r>
+              <a:rPr lang="it-IT" dirty="0" err="1"/>
+              <a:t>also</a:t>
+            </a:r>
+            <a:r>
+              <a:rPr lang="it-IT" dirty="0"/>
+              <a:t> </a:t>
+            </a:r>
+            <a:r>
+              <a:rPr lang="it-IT" dirty="0" err="1"/>
+              <a:t>FaceTime</a:t>
+            </a:r>
+            <a:r>
+              <a:rPr lang="it-IT" dirty="0"/>
+              <a:t> and use Microsoft Teams for some of the </a:t>
+            </a:r>
+            <a:r>
+              <a:rPr lang="it-IT" dirty="0" err="1"/>
+              <a:t>bigger</a:t>
+            </a:r>
+            <a:r>
+              <a:rPr lang="it-IT" dirty="0"/>
+              <a:t> </a:t>
+            </a:r>
+            <a:r>
+              <a:rPr lang="it-IT" dirty="0" err="1"/>
+              <a:t>issues</a:t>
+            </a:r>
+            <a:r>
+              <a:rPr lang="it-IT" dirty="0"/>
+              <a:t> and to </a:t>
+            </a:r>
+            <a:r>
+              <a:rPr lang="it-IT" dirty="0" err="1"/>
+              <a:t>keep</a:t>
+            </a:r>
+            <a:r>
+              <a:rPr lang="it-IT" dirty="0"/>
+              <a:t> </a:t>
+            </a:r>
+            <a:r>
+              <a:rPr lang="it-IT" dirty="0" err="1"/>
+              <a:t>eachother</a:t>
+            </a:r>
+            <a:r>
+              <a:rPr lang="it-IT" dirty="0"/>
+              <a:t> </a:t>
+            </a:r>
+            <a:r>
+              <a:rPr lang="it-IT" dirty="0" err="1"/>
+              <a:t>updated</a:t>
+            </a:r>
+            <a:r>
+              <a:rPr lang="it-IT" dirty="0"/>
+              <a:t> on </a:t>
+            </a:r>
+            <a:r>
+              <a:rPr lang="it-IT" dirty="0" err="1"/>
+              <a:t>vital</a:t>
+            </a:r>
+            <a:r>
+              <a:rPr lang="it-IT" dirty="0"/>
+              <a:t> information. </a:t>
+            </a:r>
+          </a:p>
+          <a:p>
+            <a:r>
+              <a:rPr lang="it-IT" dirty="0" err="1"/>
+              <a:t>We</a:t>
+            </a:r>
+            <a:r>
+              <a:rPr lang="it-IT" dirty="0"/>
+              <a:t> </a:t>
+            </a:r>
+            <a:r>
+              <a:rPr lang="it-IT" dirty="0" err="1"/>
+              <a:t>meet</a:t>
+            </a:r>
+            <a:r>
+              <a:rPr lang="it-IT" dirty="0"/>
+              <a:t> </a:t>
+            </a:r>
+            <a:r>
+              <a:rPr lang="it-IT" dirty="0" err="1"/>
+              <a:t>at</a:t>
+            </a:r>
+            <a:r>
+              <a:rPr lang="it-IT" dirty="0"/>
+              <a:t> </a:t>
+            </a:r>
+            <a:r>
+              <a:rPr lang="it-IT" dirty="0" err="1"/>
+              <a:t>least</a:t>
+            </a:r>
+            <a:r>
+              <a:rPr lang="it-IT" dirty="0"/>
+              <a:t> </a:t>
+            </a:r>
+            <a:r>
+              <a:rPr lang="it-IT" dirty="0" err="1"/>
+              <a:t>twice</a:t>
+            </a:r>
+            <a:r>
+              <a:rPr lang="it-IT" dirty="0"/>
+              <a:t> a week, </a:t>
+            </a:r>
+            <a:r>
+              <a:rPr lang="it-IT" dirty="0" err="1"/>
+              <a:t>Tuesday</a:t>
+            </a:r>
+            <a:r>
+              <a:rPr lang="it-IT" dirty="0"/>
+              <a:t> and </a:t>
+            </a:r>
+            <a:r>
+              <a:rPr lang="it-IT" dirty="0" err="1"/>
+              <a:t>Thursday</a:t>
+            </a:r>
+            <a:r>
+              <a:rPr lang="it-IT" dirty="0"/>
+              <a:t> night </a:t>
             </a:r>
             <a:r>
               <a:rPr lang="it-IT" dirty="0" err="1"/>
@@ -7261,6 +7828,136 @@
             </a:r>
             <a:r>
               <a:rPr lang="it-IT" dirty="0"/>
+              <a:t> after </a:t>
+            </a:r>
+            <a:r>
+              <a:rPr lang="it-IT" dirty="0" err="1"/>
+              <a:t>class</a:t>
+            </a:r>
+            <a:r>
+              <a:rPr lang="it-IT" dirty="0"/>
+              <a:t> time, </a:t>
+            </a:r>
+            <a:r>
+              <a:rPr lang="it-IT" dirty="0" err="1"/>
+              <a:t>if</a:t>
+            </a:r>
+            <a:r>
+              <a:rPr lang="it-IT" dirty="0"/>
+              <a:t> </a:t>
+            </a:r>
+            <a:r>
+              <a:rPr lang="it-IT" dirty="0" err="1"/>
+              <a:t>synchronous</a:t>
+            </a:r>
+            <a:r>
+              <a:rPr lang="it-IT" dirty="0"/>
+              <a:t>, or </a:t>
+            </a:r>
+            <a:r>
+              <a:rPr lang="it-IT" dirty="0" err="1"/>
+              <a:t>during</a:t>
+            </a:r>
+            <a:r>
+              <a:rPr lang="it-IT" dirty="0"/>
+              <a:t> class time </a:t>
+            </a:r>
+            <a:r>
+              <a:rPr lang="it-IT" dirty="0" err="1"/>
+              <a:t>if</a:t>
+            </a:r>
+            <a:r>
+              <a:rPr lang="it-IT" dirty="0"/>
+              <a:t> </a:t>
+            </a:r>
+            <a:r>
+              <a:rPr lang="it-IT" dirty="0" err="1"/>
+              <a:t>asynchronous</a:t>
+            </a:r>
+            <a:r>
+              <a:rPr lang="it-IT" dirty="0"/>
+              <a:t>. </a:t>
+            </a:r>
+            <a:r>
+              <a:rPr lang="it-IT" dirty="0" err="1"/>
+              <a:t>We</a:t>
+            </a:r>
+            <a:r>
+              <a:rPr lang="it-IT" dirty="0"/>
+              <a:t> </a:t>
+            </a:r>
+            <a:r>
+              <a:rPr lang="it-IT" dirty="0" err="1"/>
+              <a:t>also</a:t>
+            </a:r>
+            <a:r>
+              <a:rPr lang="it-IT" dirty="0"/>
+              <a:t> </a:t>
+            </a:r>
+            <a:r>
+              <a:rPr lang="it-IT" dirty="0" err="1"/>
+              <a:t>sometimes</a:t>
+            </a:r>
+            <a:r>
+              <a:rPr lang="it-IT" dirty="0"/>
+              <a:t> </a:t>
+            </a:r>
+            <a:r>
+              <a:rPr lang="it-IT" dirty="0" err="1"/>
+              <a:t>meet</a:t>
+            </a:r>
+            <a:r>
+              <a:rPr lang="it-IT" dirty="0"/>
+              <a:t> on the </a:t>
+            </a:r>
+            <a:r>
+              <a:rPr lang="it-IT" dirty="0" err="1"/>
+              <a:t>weekends</a:t>
+            </a:r>
+            <a:r>
+              <a:rPr lang="it-IT" dirty="0"/>
+              <a:t> on </a:t>
+            </a:r>
+            <a:r>
+              <a:rPr lang="it-IT" dirty="0" err="1"/>
+              <a:t>either</a:t>
+            </a:r>
+            <a:r>
+              <a:rPr lang="it-IT" dirty="0"/>
+              <a:t> </a:t>
+            </a:r>
+            <a:r>
+              <a:rPr lang="it-IT" dirty="0" err="1"/>
+              <a:t>Saturdays</a:t>
+            </a:r>
+            <a:r>
+              <a:rPr lang="it-IT" dirty="0"/>
+              <a:t> or </a:t>
+            </a:r>
+            <a:r>
+              <a:rPr lang="it-IT" dirty="0" err="1"/>
+              <a:t>Sundays</a:t>
+            </a:r>
+            <a:r>
+              <a:rPr lang="it-IT" dirty="0"/>
+              <a:t>.</a:t>
+            </a:r>
+          </a:p>
+          <a:p>
+            <a:r>
+              <a:rPr lang="it-IT" dirty="0" err="1"/>
+              <a:t>Everything</a:t>
+            </a:r>
+            <a:r>
+              <a:rPr lang="it-IT" dirty="0"/>
+              <a:t> </a:t>
+            </a:r>
+            <a:r>
+              <a:rPr lang="it-IT" dirty="0" err="1"/>
+              <a:t>that</a:t>
+            </a:r>
+            <a:r>
+              <a:rPr lang="it-IT" dirty="0"/>
               <a:t> </a:t>
             </a:r>
             <a:r>
@@ -7273,179 +7970,7 @@
             </a:r>
             <a:r>
               <a:rPr lang="it-IT" dirty="0" err="1"/>
-              <a:t>FaceTime</a:t>
-            </a:r>
-            <a:r>
-              <a:rPr lang="it-IT" dirty="0"/>
-              <a:t> or video calls on Teams for some </a:t>
-            </a:r>
-            <a:r>
-              <a:rPr lang="it-IT" dirty="0" err="1"/>
-              <a:t>main</a:t>
-            </a:r>
-            <a:r>
-              <a:rPr lang="it-IT" dirty="0"/>
-              <a:t> </a:t>
-            </a:r>
-            <a:r>
-              <a:rPr lang="it-IT" dirty="0" err="1"/>
-              <a:t>issues</a:t>
-            </a:r>
-            <a:r>
-              <a:rPr lang="it-IT" dirty="0"/>
-              <a:t> or information that the team </a:t>
-            </a:r>
-            <a:r>
-              <a:rPr lang="it-IT" dirty="0" err="1"/>
-              <a:t>need</a:t>
-            </a:r>
-            <a:r>
-              <a:rPr lang="it-IT" dirty="0"/>
-              <a:t> to know. </a:t>
-            </a:r>
-          </a:p>
-          <a:p>
-            <a:r>
-              <a:rPr lang="it-IT" dirty="0" err="1"/>
-              <a:t>We</a:t>
-            </a:r>
-            <a:r>
-              <a:rPr lang="it-IT" dirty="0"/>
-              <a:t> </a:t>
-            </a:r>
-            <a:r>
-              <a:rPr lang="it-IT" dirty="0" err="1"/>
-              <a:t>meet</a:t>
-            </a:r>
-            <a:r>
-              <a:rPr lang="it-IT" dirty="0"/>
-              <a:t> </a:t>
-            </a:r>
-            <a:r>
-              <a:rPr lang="it-IT" dirty="0" err="1"/>
-              <a:t>at</a:t>
-            </a:r>
-            <a:r>
-              <a:rPr lang="it-IT" dirty="0"/>
-              <a:t> </a:t>
-            </a:r>
-            <a:r>
-              <a:rPr lang="it-IT" dirty="0" err="1"/>
-              <a:t>least</a:t>
-            </a:r>
-            <a:r>
-              <a:rPr lang="it-IT" dirty="0"/>
-              <a:t> </a:t>
-            </a:r>
-            <a:r>
-              <a:rPr lang="it-IT" dirty="0" err="1"/>
-              <a:t>twice</a:t>
-            </a:r>
-            <a:r>
-              <a:rPr lang="it-IT" dirty="0"/>
-              <a:t> a week, </a:t>
-            </a:r>
-            <a:r>
-              <a:rPr lang="it-IT" dirty="0" err="1"/>
-              <a:t>Tuesday</a:t>
-            </a:r>
-            <a:r>
-              <a:rPr lang="it-IT" dirty="0"/>
-              <a:t> and </a:t>
-            </a:r>
-            <a:r>
-              <a:rPr lang="it-IT" dirty="0" err="1"/>
-              <a:t>Thursday</a:t>
-            </a:r>
-            <a:r>
-              <a:rPr lang="it-IT" dirty="0"/>
-              <a:t> night </a:t>
-            </a:r>
-            <a:r>
-              <a:rPr lang="it-IT" dirty="0" err="1"/>
-              <a:t>usually</a:t>
-            </a:r>
-            <a:r>
-              <a:rPr lang="it-IT" dirty="0"/>
-              <a:t> after class time </a:t>
-            </a:r>
-            <a:r>
-              <a:rPr lang="it-IT" dirty="0" err="1"/>
-              <a:t>if</a:t>
-            </a:r>
-            <a:r>
-              <a:rPr lang="it-IT" dirty="0"/>
-              <a:t> </a:t>
-            </a:r>
-            <a:r>
-              <a:rPr lang="it-IT" dirty="0" err="1"/>
-              <a:t>synchronous</a:t>
-            </a:r>
-            <a:r>
-              <a:rPr lang="it-IT" dirty="0"/>
-              <a:t> or </a:t>
-            </a:r>
-            <a:r>
-              <a:rPr lang="it-IT" dirty="0" err="1"/>
-              <a:t>during</a:t>
-            </a:r>
-            <a:r>
-              <a:rPr lang="it-IT" dirty="0"/>
-              <a:t> class time </a:t>
-            </a:r>
-            <a:r>
-              <a:rPr lang="it-IT" dirty="0" err="1"/>
-              <a:t>if</a:t>
-            </a:r>
-            <a:r>
-              <a:rPr lang="it-IT" dirty="0"/>
-              <a:t> </a:t>
-            </a:r>
-            <a:r>
-              <a:rPr lang="it-IT" dirty="0" err="1"/>
-              <a:t>asynchronous</a:t>
-            </a:r>
-            <a:r>
-              <a:rPr lang="it-IT" dirty="0"/>
-              <a:t> and </a:t>
-            </a:r>
-            <a:r>
-              <a:rPr lang="it-IT" dirty="0" err="1"/>
-              <a:t>either</a:t>
-            </a:r>
-            <a:r>
-              <a:rPr lang="it-IT" dirty="0"/>
-              <a:t> </a:t>
-            </a:r>
-            <a:r>
-              <a:rPr lang="it-IT" dirty="0" err="1"/>
-              <a:t>saturdays</a:t>
-            </a:r>
-            <a:r>
-              <a:rPr lang="it-IT" dirty="0"/>
-              <a:t> or </a:t>
-            </a:r>
-            <a:r>
-              <a:rPr lang="it-IT" dirty="0" err="1"/>
-              <a:t>sundays</a:t>
-            </a:r>
-            <a:r>
-              <a:rPr lang="it-IT" dirty="0"/>
-              <a:t> </a:t>
-            </a:r>
-            <a:r>
-              <a:rPr lang="it-IT" dirty="0" err="1"/>
-              <a:t>during</a:t>
-            </a:r>
-            <a:r>
-              <a:rPr lang="it-IT" dirty="0"/>
-              <a:t> weekends</a:t>
-            </a:r>
-          </a:p>
-          <a:p>
-            <a:r>
-              <a:rPr lang="it-IT" dirty="0" err="1"/>
-              <a:t>Everything</a:t>
+              <a:t>add</a:t>
             </a:r>
             <a:r>
               <a:rPr lang="it-IT" dirty="0"/>
@@ -7457,7 +7982,63 @@
             </a:r>
             <a:r>
               <a:rPr lang="it-IT" dirty="0"/>
-              <a:t> make that works and the team </a:t>
+              <a:t> </a:t>
+            </a:r>
+            <a:r>
+              <a:rPr lang="it-IT" dirty="0" err="1"/>
+              <a:t>make</a:t>
+            </a:r>
+            <a:r>
+              <a:rPr lang="it-IT" dirty="0"/>
+              <a:t> </a:t>
+            </a:r>
+            <a:r>
+              <a:rPr lang="it-IT" dirty="0" err="1"/>
+              <a:t>sure</a:t>
+            </a:r>
+            <a:r>
+              <a:rPr lang="it-IT" dirty="0"/>
+              <a:t> </a:t>
+            </a:r>
+            <a:r>
+              <a:rPr lang="it-IT" dirty="0" err="1"/>
+              <a:t>that</a:t>
+            </a:r>
+            <a:r>
+              <a:rPr lang="it-IT" dirty="0"/>
+              <a:t> </a:t>
+            </a:r>
+            <a:r>
+              <a:rPr lang="it-IT" dirty="0" err="1"/>
+              <a:t>it</a:t>
+            </a:r>
+            <a:r>
+              <a:rPr lang="it-IT" dirty="0"/>
+              <a:t> </a:t>
+            </a:r>
+            <a:r>
+              <a:rPr lang="it-IT" dirty="0" err="1"/>
+              <a:t>works</a:t>
+            </a:r>
+            <a:r>
+              <a:rPr lang="it-IT" dirty="0"/>
+              <a:t> </a:t>
+            </a:r>
+            <a:r>
+              <a:rPr lang="it-IT" dirty="0" err="1"/>
+              <a:t>correctly</a:t>
+            </a:r>
+            <a:r>
+              <a:rPr lang="it-IT" dirty="0"/>
+              <a:t>, and </a:t>
+            </a:r>
+            <a:r>
+              <a:rPr lang="it-IT" dirty="0" err="1"/>
+              <a:t>have</a:t>
+            </a:r>
+            <a:r>
+              <a:rPr lang="it-IT" dirty="0"/>
+              <a:t> the team </a:t>
             </a:r>
             <a:r>
               <a:rPr lang="it-IT" dirty="0" err="1"/>
@@ -7465,11 +8046,35 @@
             </a:r>
             <a:r>
               <a:rPr lang="it-IT" dirty="0"/>
-              <a:t> on it </a:t>
-            </a:r>
-            <a:r>
-              <a:rPr lang="it-IT" dirty="0" err="1"/>
-              <a:t>get</a:t>
+              <a:t> on </a:t>
+            </a:r>
+            <a:r>
+              <a:rPr lang="it-IT" dirty="0" err="1"/>
+              <a:t>it</a:t>
+            </a:r>
+            <a:r>
+              <a:rPr lang="it-IT" dirty="0"/>
+              <a:t> </a:t>
+            </a:r>
+            <a:r>
+              <a:rPr lang="it-IT" dirty="0" err="1"/>
+              <a:t>before</a:t>
+            </a:r>
+            <a:r>
+              <a:rPr lang="it-IT" dirty="0"/>
+              <a:t> </a:t>
+            </a:r>
+            <a:r>
+              <a:rPr lang="it-IT" dirty="0" err="1"/>
+              <a:t>it</a:t>
+            </a:r>
+            <a:r>
+              <a:rPr lang="it-IT" dirty="0"/>
+              <a:t> </a:t>
+            </a:r>
+            <a:r>
+              <a:rPr lang="it-IT" dirty="0" err="1"/>
+              <a:t>is</a:t>
             </a:r>
             <a:r>
               <a:rPr lang="it-IT" dirty="0"/>
@@ -7485,7 +8090,11 @@
             </a:r>
             <a:r>
               <a:rPr lang="it-IT" dirty="0" err="1"/>
-              <a:t>gitHub</a:t>
+              <a:t>GitHub</a:t>
+            </a:r>
+            <a:r>
+              <a:rPr lang="it-IT" dirty="0"/>
+              <a:t>.</a:t>
             </a:r>
             <a:endParaRPr lang="en-US" dirty="0"/>
           </a:p>
@@ -7495,6 +8104,92 @@
     <p:extLst>
       <p:ext uri="{BB962C8B-B14F-4D97-AF65-F5344CB8AC3E}">
         <p14:creationId xmlns:p14="http://schemas.microsoft.com/office/powerpoint/2010/main" val="2639069605"/>
+      </p:ext>
+    </p:extLst>
+  </p:cSld>
+  <p:clrMapOvr>
+    <a:masterClrMapping/>
+  </p:clrMapOvr>
+</p:sld>
+</file>
+
+<file path=ppt/slides/slide8.xml><?xml version="1.0" encoding="utf-8"?>
+<p:sld xmlns:a="http://schemas.openxmlformats.org/drawingml/2006/main" xmlns:r="http://schemas.openxmlformats.org/officeDocument/2006/relationships" xmlns:p="http://schemas.openxmlformats.org/presentationml/2006/main">
+  <p:cSld>
+    <p:spTree>
+      <p:nvGrpSpPr>
+        <p:cNvPr id="1" name=""/>
+        <p:cNvGrpSpPr/>
+        <p:nvPr/>
+      </p:nvGrpSpPr>
+      <p:grpSpPr>
+        <a:xfrm>
+          <a:off x="0" y="0"/>
+          <a:ext cx="0" cy="0"/>
+          <a:chOff x="0" y="0"/>
+          <a:chExt cx="0" cy="0"/>
+        </a:xfrm>
+      </p:grpSpPr>
+      <p:sp>
+        <p:nvSpPr>
+          <p:cNvPr id="2" name="Title 1">
+            <a:extLst>
+              <a:ext uri="{FF2B5EF4-FFF2-40B4-BE49-F238E27FC236}">
+                <a16:creationId xmlns:a16="http://schemas.microsoft.com/office/drawing/2014/main" id="{02FD90BB-B8E1-6748-81E5-629DA5C6AE4F}"/>
+              </a:ext>
+            </a:extLst>
+          </p:cNvPr>
+          <p:cNvSpPr>
+            <a:spLocks noGrp="1"/>
+          </p:cNvSpPr>
+          <p:nvPr>
+            <p:ph type="title"/>
+          </p:nvPr>
+        </p:nvSpPr>
+        <p:spPr/>
+        <p:txBody>
+          <a:bodyPr/>
+          <a:lstStyle/>
+          <a:p>
+            <a:r>
+              <a:rPr lang="en-US" dirty="0"/>
+              <a:t>Difficulties &amp; Setbacks</a:t>
+            </a:r>
+          </a:p>
+        </p:txBody>
+      </p:sp>
+      <p:sp>
+        <p:nvSpPr>
+          <p:cNvPr id="3" name="Content Placeholder 2">
+            <a:extLst>
+              <a:ext uri="{FF2B5EF4-FFF2-40B4-BE49-F238E27FC236}">
+                <a16:creationId xmlns:a16="http://schemas.microsoft.com/office/drawing/2014/main" id="{1BF09C19-DA05-9B4D-A4D7-D306FA1D1FCA}"/>
+              </a:ext>
+            </a:extLst>
+          </p:cNvPr>
+          <p:cNvSpPr>
+            <a:spLocks noGrp="1"/>
+          </p:cNvSpPr>
+          <p:nvPr>
+            <p:ph idx="1"/>
+          </p:nvPr>
+        </p:nvSpPr>
+        <p:spPr/>
+        <p:txBody>
+          <a:bodyPr/>
+          <a:lstStyle/>
+          <a:p>
+            <a:r>
+              <a:rPr lang="en-US" dirty="0"/>
+              <a:t>Despite changing our project after the first milestone and losing a valuable member of our group, we have still made substantial progress overall and are looking forward to showcasing our finished project at the end of the semester.</a:t>
+            </a:r>
+          </a:p>
+        </p:txBody>
+      </p:sp>
+    </p:spTree>
+    <p:extLst>
+      <p:ext uri="{BB962C8B-B14F-4D97-AF65-F5344CB8AC3E}">
+        <p14:creationId xmlns:p14="http://schemas.microsoft.com/office/powerpoint/2010/main" val="3322211293"/>
       </p:ext>
     </p:extLst>
   </p:cSld>
